--- a/git_bash命令.pptx
+++ b/git_bash命令.pptx
@@ -3696,6 +3696,64 @@
           </a:p>
         </p:txBody>
       </p:sp>
+      <p:sp>
+        <p:nvSpPr>
+          <p:cNvPr id="6" name="文本框 5">
+            <a:extLst>
+              <a:ext uri="{FF2B5EF4-FFF2-40B4-BE49-F238E27FC236}">
+                <a16:creationId xmlns:a16="http://schemas.microsoft.com/office/drawing/2014/main" id="{0E9FB2DC-B38A-401A-B247-4805A076239E}"/>
+              </a:ext>
+            </a:extLst>
+          </p:cNvPr>
+          <p:cNvSpPr txBox="1"/>
+          <p:nvPr/>
+        </p:nvSpPr>
+        <p:spPr>
+          <a:xfrm>
+            <a:off x="4021898" y="1043078"/>
+            <a:ext cx="1602875" cy="523220"/>
+          </a:xfrm>
+          <a:prstGeom prst="rect">
+            <a:avLst/>
+          </a:prstGeom>
+          <a:solidFill>
+            <a:schemeClr val="accent5">
+              <a:lumMod val="20000"/>
+              <a:lumOff val="80000"/>
+            </a:schemeClr>
+          </a:solidFill>
+        </p:spPr>
+        <p:txBody>
+          <a:bodyPr wrap="none" rtlCol="0">
+            <a:spAutoFit/>
+          </a:bodyPr>
+          <a:lstStyle/>
+          <a:p>
+            <a:r>
+              <a:rPr lang="en-US" altLang="zh-CN" sz="1400">
+                <a:solidFill>
+                  <a:srgbClr val="FF0000"/>
+                </a:solidFill>
+              </a:rPr>
+              <a:t>touch .gitignore</a:t>
+            </a:r>
+          </a:p>
+          <a:p>
+            <a:r>
+              <a:rPr lang="zh-CN" altLang="en-US" sz="1400"/>
+              <a:t>创建</a:t>
+            </a:r>
+            <a:r>
+              <a:rPr lang="en-US" altLang="zh-CN" sz="1400"/>
+              <a:t>.gitignore</a:t>
+            </a:r>
+            <a:r>
+              <a:rPr lang="zh-CN" altLang="en-US" sz="1400"/>
+              <a:t>文件</a:t>
+            </a:r>
+          </a:p>
+        </p:txBody>
+      </p:sp>
     </p:spTree>
     <p:extLst>
       <p:ext uri="{BB962C8B-B14F-4D97-AF65-F5344CB8AC3E}">
